--- a/Presentation_Phishing.pptx
+++ b/Presentation_Phishing.pptx
@@ -7,10 +7,10 @@
   <p:sldIdLst>
     <p:sldId id="263" r:id="rId2"/>
     <p:sldId id="257" r:id="rId3"/>
-    <p:sldId id="258" r:id="rId4"/>
-    <p:sldId id="259" r:id="rId5"/>
-    <p:sldId id="260" r:id="rId6"/>
-    <p:sldId id="261" r:id="rId7"/>
+    <p:sldId id="259" r:id="rId4"/>
+    <p:sldId id="260" r:id="rId5"/>
+    <p:sldId id="261" r:id="rId6"/>
+    <p:sldId id="269" r:id="rId7"/>
     <p:sldId id="262" r:id="rId8"/>
     <p:sldId id="264" r:id="rId9"/>
     <p:sldId id="265" r:id="rId10"/>
@@ -7256,7 +7256,7 @@
           <a:p>
             <a:fld id="{6444479B-705B-4489-957E-7E8A228BDFA0}" type="datetime1">
               <a:rPr lang="en-US" smtClean="0"/>
-              <a:t>8/12/2025</a:t>
+              <a:t>8/30/2025</a:t>
             </a:fld>
             <a:endParaRPr lang="en-US"/>
           </a:p>
@@ -7531,7 +7531,7 @@
           <a:p>
             <a:fld id="{7DA38F49-B3E2-4BF0-BEC7-C30D34ABBB8D}" type="datetime1">
               <a:rPr lang="en-US" smtClean="0"/>
-              <a:t>8/12/2025</a:t>
+              <a:t>8/30/2025</a:t>
             </a:fld>
             <a:endParaRPr lang="en-US"/>
           </a:p>
@@ -7726,7 +7726,7 @@
           <a:p>
             <a:fld id="{7DA38F49-B3E2-4BF0-BEC7-C30D34ABBB8D}" type="datetime1">
               <a:rPr lang="en-US" smtClean="0"/>
-              <a:t>8/12/2025</a:t>
+              <a:t>8/30/2025</a:t>
             </a:fld>
             <a:endParaRPr lang="en-US"/>
           </a:p>
@@ -8000,7 +8000,7 @@
           <a:p>
             <a:fld id="{7DA38F49-B3E2-4BF0-BEC7-C30D34ABBB8D}" type="datetime1">
               <a:rPr lang="en-US" smtClean="0"/>
-              <a:t>8/12/2025</a:t>
+              <a:t>8/30/2025</a:t>
             </a:fld>
             <a:endParaRPr lang="en-US"/>
           </a:p>
@@ -8342,7 +8342,7 @@
           <a:p>
             <a:fld id="{7DA38F49-B3E2-4BF0-BEC7-C30D34ABBB8D}" type="datetime1">
               <a:rPr lang="en-US" smtClean="0"/>
-              <a:t>8/12/2025</a:t>
+              <a:t>8/30/2025</a:t>
             </a:fld>
             <a:endParaRPr lang="en-US"/>
           </a:p>
@@ -8966,7 +8966,7 @@
           <a:p>
             <a:fld id="{7DA38F49-B3E2-4BF0-BEC7-C30D34ABBB8D}" type="datetime1">
               <a:rPr lang="en-US" smtClean="0"/>
-              <a:t>8/12/2025</a:t>
+              <a:t>8/30/2025</a:t>
             </a:fld>
             <a:endParaRPr lang="en-US"/>
           </a:p>
@@ -9827,7 +9827,7 @@
           <a:p>
             <a:fld id="{7DA38F49-B3E2-4BF0-BEC7-C30D34ABBB8D}" type="datetime1">
               <a:rPr lang="en-US" smtClean="0"/>
-              <a:t>8/12/2025</a:t>
+              <a:t>8/30/2025</a:t>
             </a:fld>
             <a:endParaRPr lang="en-US"/>
           </a:p>
@@ -9998,7 +9998,7 @@
           <a:p>
             <a:fld id="{C07B66AD-7C08-490A-ADA4-B47E10FB2407}" type="datetime1">
               <a:rPr lang="en-US" smtClean="0"/>
-              <a:t>8/12/2025</a:t>
+              <a:t>8/30/2025</a:t>
             </a:fld>
             <a:endParaRPr lang="en-US"/>
           </a:p>
@@ -10178,7 +10178,7 @@
           <a:p>
             <a:fld id="{05B95027-4255-49E7-9841-CD21BCC99996}" type="datetime1">
               <a:rPr lang="en-US" smtClean="0"/>
-              <a:t>8/12/2025</a:t>
+              <a:t>8/30/2025</a:t>
             </a:fld>
             <a:endParaRPr lang="en-US"/>
           </a:p>
@@ -10348,7 +10348,7 @@
           <a:p>
             <a:fld id="{9F89F774-3FA6-43B8-9241-99959C8FD463}" type="datetime1">
               <a:rPr lang="en-US" smtClean="0"/>
-              <a:t>8/12/2025</a:t>
+              <a:t>8/30/2025</a:t>
             </a:fld>
             <a:endParaRPr lang="en-US"/>
           </a:p>
@@ -10595,7 +10595,7 @@
           <a:p>
             <a:fld id="{F9504452-5DCC-4FE2-A5C9-8A5EF6714D65}" type="datetime1">
               <a:rPr lang="en-US" smtClean="0"/>
-              <a:t>8/12/2025</a:t>
+              <a:t>8/30/2025</a:t>
             </a:fld>
             <a:endParaRPr lang="en-US"/>
           </a:p>
@@ -10887,7 +10887,7 @@
           <a:p>
             <a:fld id="{E579ABC2-0180-4F3A-A895-A85BC724D472}" type="datetime1">
               <a:rPr lang="en-US" smtClean="0"/>
-              <a:t>8/12/2025</a:t>
+              <a:t>8/30/2025</a:t>
             </a:fld>
             <a:endParaRPr lang="en-US"/>
           </a:p>
@@ -11331,7 +11331,7 @@
           <a:p>
             <a:fld id="{6AEEA9BA-4E8F-439E-BEA4-91FBA01E3F5F}" type="datetime1">
               <a:rPr lang="en-US" smtClean="0"/>
-              <a:t>8/12/2025</a:t>
+              <a:t>8/30/2025</a:t>
             </a:fld>
             <a:endParaRPr lang="en-US"/>
           </a:p>
@@ -11449,7 +11449,7 @@
           <a:p>
             <a:fld id="{BE15BF18-0007-481C-AA29-413124BC3EE7}" type="datetime1">
               <a:rPr lang="en-US" smtClean="0"/>
-              <a:t>8/12/2025</a:t>
+              <a:t>8/30/2025</a:t>
             </a:fld>
             <a:endParaRPr lang="en-US"/>
           </a:p>
@@ -11544,7 +11544,7 @@
           <a:p>
             <a:fld id="{09BE9870-3748-43AD-B547-02A075CB4A1D}" type="datetime1">
               <a:rPr lang="en-US" smtClean="0"/>
-              <a:t>8/12/2025</a:t>
+              <a:t>8/30/2025</a:t>
             </a:fld>
             <a:endParaRPr lang="en-US"/>
           </a:p>
@@ -11823,7 +11823,7 @@
           <a:p>
             <a:fld id="{558E7897-33C5-4F1A-9307-D068E37F3DC7}" type="datetime1">
               <a:rPr lang="en-US" smtClean="0"/>
-              <a:t>8/12/2025</a:t>
+              <a:t>8/30/2025</a:t>
             </a:fld>
             <a:endParaRPr lang="en-US"/>
           </a:p>
@@ -12098,7 +12098,7 @@
           <a:p>
             <a:fld id="{82E171BA-CC09-47C8-A6DF-F5C5CB59CEEC}" type="datetime1">
               <a:rPr lang="en-US" smtClean="0"/>
-              <a:t>8/12/2025</a:t>
+              <a:t>8/30/2025</a:t>
             </a:fld>
             <a:endParaRPr lang="en-US"/>
           </a:p>
@@ -12527,7 +12527,7 @@
           <a:p>
             <a:fld id="{7DA38F49-B3E2-4BF0-BEC7-C30D34ABBB8D}" type="datetime1">
               <a:rPr lang="en-US" smtClean="0"/>
-              <a:t>8/12/2025</a:t>
+              <a:t>8/30/2025</a:t>
             </a:fld>
             <a:endParaRPr lang="en-US"/>
           </a:p>
@@ -14084,7 +14084,7 @@
           <a:p>
             <a:r>
               <a:rPr lang="en-GB" dirty="0"/>
-              <a:t>Example 1: An email claiming to be from your bank asking you to 'verify your account' with2. </a:t>
+              <a:t>Example 1: An email claiming to be from your bank asking you to 'verify your account' with the company. </a:t>
             </a:r>
           </a:p>
           <a:p>
@@ -14416,13 +14416,8 @@
           <a:p>
             <a:r>
               <a:rPr lang="en-ZA" dirty="0"/>
-              <a:t>Question 2</a:t>
+              <a:t>Question 2: B</a:t>
             </a:r>
-            <a:r>
-              <a:rPr lang="en-ZA"/>
-              <a:t>: B</a:t>
-            </a:r>
-            <a:endParaRPr lang="en-ZA" dirty="0"/>
           </a:p>
           <a:p>
             <a:r>
@@ -14431,10 +14426,7 @@
             </a:r>
           </a:p>
           <a:p>
-            <a:r>
-              <a:rPr lang="en-ZA" dirty="0"/>
-              <a:t> </a:t>
-            </a:r>
+            <a:endParaRPr lang="en-ZA" dirty="0"/>
           </a:p>
         </p:txBody>
       </p:sp>
@@ -14631,632 +14623,6 @@
 </file>
 
 <file path=ppt/slides/slide3.xml><?xml version="1.0" encoding="utf-8"?>
-<p:sld xmlns:a="http://schemas.openxmlformats.org/drawingml/2006/main" xmlns:r="http://schemas.openxmlformats.org/officeDocument/2006/relationships" xmlns:p="http://schemas.openxmlformats.org/presentationml/2006/main">
-  <p:cSld>
-    <p:bg>
-      <p:bgPr>
-        <a:blipFill rotWithShape="1">
-          <a:blip r:embed="rId2">
-            <a:duotone>
-              <a:schemeClr val="bg2">
-                <a:shade val="69000"/>
-                <a:hueMod val="108000"/>
-                <a:satMod val="164000"/>
-                <a:lumMod val="74000"/>
-              </a:schemeClr>
-              <a:schemeClr val="bg2">
-                <a:tint val="96000"/>
-                <a:hueMod val="88000"/>
-                <a:satMod val="140000"/>
-                <a:lumMod val="132000"/>
-              </a:schemeClr>
-            </a:duotone>
-          </a:blip>
-          <a:stretch/>
-        </a:blipFill>
-        <a:effectLst/>
-      </p:bgPr>
-    </p:bg>
-    <p:spTree>
-      <p:nvGrpSpPr>
-        <p:cNvPr id="1" name=""/>
-        <p:cNvGrpSpPr/>
-        <p:nvPr/>
-      </p:nvGrpSpPr>
-      <p:grpSpPr>
-        <a:xfrm>
-          <a:off x="0" y="0"/>
-          <a:ext cx="0" cy="0"/>
-          <a:chOff x="0" y="0"/>
-          <a:chExt cx="0" cy="0"/>
-        </a:xfrm>
-      </p:grpSpPr>
-      <p:pic>
-        <p:nvPicPr>
-          <p:cNvPr id="2063" name="Picture 2062">
-            <a:extLst>
-              <a:ext uri="{FF2B5EF4-FFF2-40B4-BE49-F238E27FC236}">
-                <a16:creationId xmlns:a16="http://schemas.microsoft.com/office/drawing/2014/main" id="{BD310164-D3A3-415E-9D94-5D21D9FB2F6C}"/>
-              </a:ext>
-              <a:ext uri="{C183D7F6-B498-43B3-948B-1728B52AA6E4}">
-                <adec:decorative xmlns:adec="http://schemas.microsoft.com/office/drawing/2017/decorative" val="1"/>
-              </a:ext>
-            </a:extLst>
-          </p:cNvPr>
-          <p:cNvPicPr>
-            <a:picLocks noGrp="1" noRot="1" noChangeAspect="1" noMove="1" noResize="1" noEditPoints="1" noAdjustHandles="1" noChangeArrowheads="1" noChangeShapeType="1" noCrop="1"/>
-          </p:cNvPicPr>
-          <p:nvPr>
-            <p:extLst>
-              <p:ext uri="{386F3935-93C4-4BCD-93E2-E3B085C9AB24}">
-                <p16:designElem xmlns:p16="http://schemas.microsoft.com/office/powerpoint/2015/main" val="1"/>
-              </p:ext>
-            </p:extLst>
-          </p:nvPr>
-        </p:nvPicPr>
-        <p:blipFill rotWithShape="1">
-          <a:blip r:embed="rId3">
-            <a:extLst>
-              <a:ext uri="{28A0092B-C50C-407E-A947-70E740481C1C}">
-                <a14:useLocalDpi xmlns:a14="http://schemas.microsoft.com/office/drawing/2010/main" val="0"/>
-              </a:ext>
-            </a:extLst>
-          </a:blip>
-          <a:srcRect l="3613"/>
-          <a:stretch/>
-        </p:blipFill>
-        <p:spPr>
-          <a:xfrm>
-            <a:off x="0" y="2669685"/>
-            <a:ext cx="4037012" cy="4188315"/>
-          </a:xfrm>
-          <a:prstGeom prst="rect">
-            <a:avLst/>
-          </a:prstGeom>
-        </p:spPr>
-      </p:pic>
-      <p:pic>
-        <p:nvPicPr>
-          <p:cNvPr id="2065" name="Picture 2064">
-            <a:extLst>
-              <a:ext uri="{FF2B5EF4-FFF2-40B4-BE49-F238E27FC236}">
-                <a16:creationId xmlns:a16="http://schemas.microsoft.com/office/drawing/2014/main" id="{BE586E08-18BF-4AB1-AB48-4005D567343E}"/>
-              </a:ext>
-              <a:ext uri="{C183D7F6-B498-43B3-948B-1728B52AA6E4}">
-                <adec:decorative xmlns:adec="http://schemas.microsoft.com/office/drawing/2017/decorative" val="1"/>
-              </a:ext>
-            </a:extLst>
-          </p:cNvPr>
-          <p:cNvPicPr>
-            <a:picLocks noGrp="1" noRot="1" noChangeAspect="1" noMove="1" noResize="1" noEditPoints="1" noAdjustHandles="1" noChangeArrowheads="1" noChangeShapeType="1" noCrop="1"/>
-          </p:cNvPicPr>
-          <p:nvPr>
-            <p:extLst>
-              <p:ext uri="{386F3935-93C4-4BCD-93E2-E3B085C9AB24}">
-                <p16:designElem xmlns:p16="http://schemas.microsoft.com/office/powerpoint/2015/main" val="1"/>
-              </p:ext>
-            </p:extLst>
-          </p:nvPr>
-        </p:nvPicPr>
-        <p:blipFill rotWithShape="1">
-          <a:blip r:embed="rId4">
-            <a:extLst>
-              <a:ext uri="{28A0092B-C50C-407E-A947-70E740481C1C}">
-                <a14:useLocalDpi xmlns:a14="http://schemas.microsoft.com/office/drawing/2010/main" val="0"/>
-              </a:ext>
-            </a:extLst>
-          </a:blip>
-          <a:srcRect l="35640"/>
-          <a:stretch/>
-        </p:blipFill>
-        <p:spPr>
-          <a:xfrm>
-            <a:off x="0" y="2892347"/>
-            <a:ext cx="1522412" cy="2365453"/>
-          </a:xfrm>
-          <a:prstGeom prst="rect">
-            <a:avLst/>
-          </a:prstGeom>
-        </p:spPr>
-      </p:pic>
-      <p:sp>
-        <p:nvSpPr>
-          <p:cNvPr id="2067" name="Oval 2066">
-            <a:extLst>
-              <a:ext uri="{FF2B5EF4-FFF2-40B4-BE49-F238E27FC236}">
-                <a16:creationId xmlns:a16="http://schemas.microsoft.com/office/drawing/2014/main" id="{4A497DBC-2692-42B4-A606-31024033F7C0}"/>
-              </a:ext>
-              <a:ext uri="{C183D7F6-B498-43B3-948B-1728B52AA6E4}">
-                <adec:decorative xmlns:adec="http://schemas.microsoft.com/office/drawing/2017/decorative" val="1"/>
-              </a:ext>
-            </a:extLst>
-          </p:cNvPr>
-          <p:cNvSpPr>
-            <a:spLocks noGrp="1" noRot="1" noChangeAspect="1" noMove="1" noResize="1" noEditPoints="1" noAdjustHandles="1" noChangeArrowheads="1" noChangeShapeType="1" noTextEdit="1"/>
-          </p:cNvSpPr>
-          <p:nvPr>
-            <p:extLst>
-              <p:ext uri="{386F3935-93C4-4BCD-93E2-E3B085C9AB24}">
-                <p16:designElem xmlns:p16="http://schemas.microsoft.com/office/powerpoint/2015/main" val="1"/>
-              </p:ext>
-            </p:extLst>
-          </p:nvPr>
-        </p:nvSpPr>
-        <p:spPr>
-          <a:xfrm>
-            <a:off x="8609012" y="1676400"/>
-            <a:ext cx="2819400" cy="2819400"/>
-          </a:xfrm>
-          <a:prstGeom prst="ellipse">
-            <a:avLst/>
-          </a:prstGeom>
-          <a:gradFill flip="none" rotWithShape="1">
-            <a:gsLst>
-              <a:gs pos="0">
-                <a:schemeClr val="bg2">
-                  <a:lumMod val="60000"/>
-                  <a:lumOff val="40000"/>
-                  <a:alpha val="7000"/>
-                </a:schemeClr>
-              </a:gs>
-              <a:gs pos="69000">
-                <a:schemeClr val="bg2">
-                  <a:lumMod val="60000"/>
-                  <a:lumOff val="40000"/>
-                  <a:alpha val="0"/>
-                </a:schemeClr>
-              </a:gs>
-              <a:gs pos="36000">
-                <a:schemeClr val="bg2">
-                  <a:lumMod val="60000"/>
-                  <a:lumOff val="40000"/>
-                  <a:alpha val="6000"/>
-                </a:schemeClr>
-              </a:gs>
-            </a:gsLst>
-            <a:path path="circle">
-              <a:fillToRect l="50000" t="50000" r="50000" b="50000"/>
-            </a:path>
-            <a:tileRect/>
-          </a:gradFill>
-          <a:ln>
-            <a:noFill/>
-          </a:ln>
-          <a:effectLst/>
-        </p:spPr>
-        <p:style>
-          <a:lnRef idx="1">
-            <a:schemeClr val="accent1"/>
-          </a:lnRef>
-          <a:fillRef idx="3">
-            <a:schemeClr val="accent1"/>
-          </a:fillRef>
-          <a:effectRef idx="2">
-            <a:schemeClr val="accent1"/>
-          </a:effectRef>
-          <a:fontRef idx="minor">
-            <a:schemeClr val="lt1"/>
-          </a:fontRef>
-        </p:style>
-        <p:txBody>
-          <a:bodyPr/>
-          <a:lstStyle/>
-          <a:p>
-            <a:endParaRPr lang="en-ZA"/>
-          </a:p>
-        </p:txBody>
-      </p:sp>
-      <p:pic>
-        <p:nvPicPr>
-          <p:cNvPr id="2069" name="Picture 2068">
-            <a:extLst>
-              <a:ext uri="{FF2B5EF4-FFF2-40B4-BE49-F238E27FC236}">
-                <a16:creationId xmlns:a16="http://schemas.microsoft.com/office/drawing/2014/main" id="{3517A192-66A9-4297-9284-65580829ABF1}"/>
-              </a:ext>
-              <a:ext uri="{C183D7F6-B498-43B3-948B-1728B52AA6E4}">
-                <adec:decorative xmlns:adec="http://schemas.microsoft.com/office/drawing/2017/decorative" val="1"/>
-              </a:ext>
-            </a:extLst>
-          </p:cNvPr>
-          <p:cNvPicPr>
-            <a:picLocks noGrp="1" noRot="1" noChangeAspect="1" noMove="1" noResize="1" noEditPoints="1" noAdjustHandles="1" noChangeArrowheads="1" noChangeShapeType="1" noCrop="1"/>
-          </p:cNvPicPr>
-          <p:nvPr>
-            <p:extLst>
-              <p:ext uri="{386F3935-93C4-4BCD-93E2-E3B085C9AB24}">
-                <p16:designElem xmlns:p16="http://schemas.microsoft.com/office/powerpoint/2015/main" val="1"/>
-              </p:ext>
-            </p:extLst>
-          </p:nvPr>
-        </p:nvPicPr>
-        <p:blipFill rotWithShape="1">
-          <a:blip r:embed="rId5">
-            <a:extLst>
-              <a:ext uri="{28A0092B-C50C-407E-A947-70E740481C1C}">
-                <a14:useLocalDpi xmlns:a14="http://schemas.microsoft.com/office/drawing/2010/main" val="0"/>
-              </a:ext>
-            </a:extLst>
-          </a:blip>
-          <a:srcRect t="28813"/>
-          <a:stretch/>
-        </p:blipFill>
-        <p:spPr>
-          <a:xfrm>
-            <a:off x="7999412" y="0"/>
-            <a:ext cx="1603387" cy="1141407"/>
-          </a:xfrm>
-          <a:prstGeom prst="rect">
-            <a:avLst/>
-          </a:prstGeom>
-        </p:spPr>
-      </p:pic>
-      <p:pic>
-        <p:nvPicPr>
-          <p:cNvPr id="2071" name="Picture 2070">
-            <a:extLst>
-              <a:ext uri="{FF2B5EF4-FFF2-40B4-BE49-F238E27FC236}">
-                <a16:creationId xmlns:a16="http://schemas.microsoft.com/office/drawing/2014/main" id="{130825ED-0133-430D-BBBB-50B6F5228448}"/>
-              </a:ext>
-              <a:ext uri="{C183D7F6-B498-43B3-948B-1728B52AA6E4}">
-                <adec:decorative xmlns:adec="http://schemas.microsoft.com/office/drawing/2017/decorative" val="1"/>
-              </a:ext>
-            </a:extLst>
-          </p:cNvPr>
-          <p:cNvPicPr>
-            <a:picLocks noGrp="1" noRot="1" noChangeAspect="1" noMove="1" noResize="1" noEditPoints="1" noAdjustHandles="1" noChangeArrowheads="1" noChangeShapeType="1" noCrop="1"/>
-          </p:cNvPicPr>
-          <p:nvPr>
-            <p:extLst>
-              <p:ext uri="{386F3935-93C4-4BCD-93E2-E3B085C9AB24}">
-                <p16:designElem xmlns:p16="http://schemas.microsoft.com/office/powerpoint/2015/main" val="1"/>
-              </p:ext>
-            </p:extLst>
-          </p:nvPr>
-        </p:nvPicPr>
-        <p:blipFill rotWithShape="1">
-          <a:blip r:embed="rId6">
-            <a:extLst>
-              <a:ext uri="{28A0092B-C50C-407E-A947-70E740481C1C}">
-                <a14:useLocalDpi xmlns:a14="http://schemas.microsoft.com/office/drawing/2010/main" val="0"/>
-              </a:ext>
-            </a:extLst>
-          </a:blip>
-          <a:srcRect b="23320"/>
-          <a:stretch/>
-        </p:blipFill>
-        <p:spPr>
-          <a:xfrm>
-            <a:off x="8605878" y="6096000"/>
-            <a:ext cx="993734" cy="762000"/>
-          </a:xfrm>
-          <a:prstGeom prst="rect">
-            <a:avLst/>
-          </a:prstGeom>
-        </p:spPr>
-      </p:pic>
-      <p:sp>
-        <p:nvSpPr>
-          <p:cNvPr id="2073" name="Rectangle 2072">
-            <a:extLst>
-              <a:ext uri="{FF2B5EF4-FFF2-40B4-BE49-F238E27FC236}">
-                <a16:creationId xmlns:a16="http://schemas.microsoft.com/office/drawing/2014/main" id="{633F040E-FA1C-4EDC-B925-7EFCB9582839}"/>
-              </a:ext>
-              <a:ext uri="{C183D7F6-B498-43B3-948B-1728B52AA6E4}">
-                <adec:decorative xmlns:adec="http://schemas.microsoft.com/office/drawing/2017/decorative" val="1"/>
-              </a:ext>
-            </a:extLst>
-          </p:cNvPr>
-          <p:cNvSpPr>
-            <a:spLocks noGrp="1" noRot="1" noChangeAspect="1" noMove="1" noResize="1" noEditPoints="1" noAdjustHandles="1" noChangeArrowheads="1" noChangeShapeType="1" noTextEdit="1"/>
-          </p:cNvSpPr>
-          <p:nvPr>
-            <p:extLst>
-              <p:ext uri="{386F3935-93C4-4BCD-93E2-E3B085C9AB24}">
-                <p16:designElem xmlns:p16="http://schemas.microsoft.com/office/powerpoint/2015/main" val="1"/>
-              </p:ext>
-            </p:extLst>
-          </p:nvPr>
-        </p:nvSpPr>
-        <p:spPr>
-          <a:xfrm>
-            <a:off x="10437812" y="0"/>
-            <a:ext cx="685800" cy="1143000"/>
-          </a:xfrm>
-          <a:prstGeom prst="rect">
-            <a:avLst/>
-          </a:prstGeom>
-          <a:solidFill>
-            <a:schemeClr val="accent1"/>
-          </a:solidFill>
-          <a:ln>
-            <a:noFill/>
-          </a:ln>
-        </p:spPr>
-        <p:style>
-          <a:lnRef idx="1">
-            <a:schemeClr val="accent1"/>
-          </a:lnRef>
-          <a:fillRef idx="3">
-            <a:schemeClr val="accent1"/>
-          </a:fillRef>
-          <a:effectRef idx="2">
-            <a:schemeClr val="accent1"/>
-          </a:effectRef>
-          <a:fontRef idx="minor">
-            <a:schemeClr val="lt1"/>
-          </a:fontRef>
-        </p:style>
-        <p:txBody>
-          <a:bodyPr/>
-          <a:lstStyle/>
-          <a:p>
-            <a:endParaRPr lang="en-ZA"/>
-          </a:p>
-        </p:txBody>
-      </p:sp>
-      <p:sp>
-        <p:nvSpPr>
-          <p:cNvPr id="2" name="Title 1">
-            <a:extLst>
-              <a:ext uri="{FF2B5EF4-FFF2-40B4-BE49-F238E27FC236}">
-                <a16:creationId xmlns:a16="http://schemas.microsoft.com/office/drawing/2014/main" id="{16F10E37-C931-F3DD-3F1F-9287DBA75133}"/>
-              </a:ext>
-            </a:extLst>
-          </p:cNvPr>
-          <p:cNvSpPr>
-            <a:spLocks noGrp="1"/>
-          </p:cNvSpPr>
-          <p:nvPr>
-            <p:ph type="title"/>
-          </p:nvPr>
-        </p:nvSpPr>
-        <p:spPr>
-          <a:xfrm>
-            <a:off x="635458" y="4542502"/>
-            <a:ext cx="9181185" cy="1189985"/>
-          </a:xfrm>
-        </p:spPr>
-        <p:txBody>
-          <a:bodyPr vert="horz" lIns="91440" tIns="45720" rIns="91440" bIns="45720" rtlCol="0" anchor="b">
-            <a:normAutofit/>
-          </a:bodyPr>
-          <a:lstStyle/>
-          <a:p>
-            <a:r>
-              <a:rPr lang="en-US" sz="6000"/>
-              <a:t>Examples of Phishing</a:t>
-            </a:r>
-          </a:p>
-        </p:txBody>
-      </p:sp>
-      <p:pic>
-        <p:nvPicPr>
-          <p:cNvPr id="2050" name="Picture 2" descr="Healthcare Phishing Examples, Types, and Statistics | FRSecure">
-            <a:extLst>
-              <a:ext uri="{FF2B5EF4-FFF2-40B4-BE49-F238E27FC236}">
-                <a16:creationId xmlns:a16="http://schemas.microsoft.com/office/drawing/2014/main" id="{F6B52CE1-7B17-6D7E-9B08-67CDC5E75C58}"/>
-              </a:ext>
-            </a:extLst>
-          </p:cNvPr>
-          <p:cNvPicPr>
-            <a:picLocks noGrp="1" noChangeAspect="1" noChangeArrowheads="1"/>
-          </p:cNvPicPr>
-          <p:nvPr>
-            <p:ph idx="1"/>
-          </p:nvPr>
-        </p:nvPicPr>
-        <p:blipFill>
-          <a:blip r:embed="rId7">
-            <a:extLst>
-              <a:ext uri="{28A0092B-C50C-407E-A947-70E740481C1C}">
-                <a14:useLocalDpi xmlns:a14="http://schemas.microsoft.com/office/drawing/2010/main" val="0"/>
-              </a:ext>
-            </a:extLst>
-          </a:blip>
-          <a:stretch>
-            <a:fillRect/>
-          </a:stretch>
-        </p:blipFill>
-        <p:spPr bwMode="auto">
-          <a:xfrm>
-            <a:off x="635458" y="823196"/>
-            <a:ext cx="2176272" cy="2176272"/>
-          </a:xfrm>
-          <a:prstGeom prst="rect">
-            <a:avLst/>
-          </a:prstGeom>
-          <a:noFill/>
-          <a:effectLst>
-            <a:outerShdw blurRad="50800" dist="38100" dir="5400000" algn="t" rotWithShape="0">
-              <a:prstClr val="black">
-                <a:alpha val="43000"/>
-              </a:prstClr>
-            </a:outerShdw>
-          </a:effectLst>
-          <a:extLst>
-            <a:ext uri="{909E8E84-426E-40DD-AFC4-6F175D3DCCD1}">
-              <a14:hiddenFill xmlns:a14="http://schemas.microsoft.com/office/drawing/2010/main">
-                <a:solidFill>
-                  <a:srgbClr val="FFFFFF"/>
-                </a:solidFill>
-              </a14:hiddenFill>
-            </a:ext>
-          </a:extLst>
-        </p:spPr>
-      </p:pic>
-      <p:pic>
-        <p:nvPicPr>
-          <p:cNvPr id="2054" name="Picture 6" descr="Phishing | Phishing Examples">
-            <a:extLst>
-              <a:ext uri="{FF2B5EF4-FFF2-40B4-BE49-F238E27FC236}">
-                <a16:creationId xmlns:a16="http://schemas.microsoft.com/office/drawing/2014/main" id="{72BDED5B-27A9-0451-5638-AEBD0270F4B2}"/>
-              </a:ext>
-            </a:extLst>
-          </p:cNvPr>
-          <p:cNvPicPr>
-            <a:picLocks noChangeAspect="1" noChangeArrowheads="1"/>
-          </p:cNvPicPr>
-          <p:nvPr/>
-        </p:nvPicPr>
-        <p:blipFill>
-          <a:blip r:embed="rId8">
-            <a:extLst>
-              <a:ext uri="{28A0092B-C50C-407E-A947-70E740481C1C}">
-                <a14:useLocalDpi xmlns:a14="http://schemas.microsoft.com/office/drawing/2010/main" val="0"/>
-              </a:ext>
-            </a:extLst>
-          </a:blip>
-          <a:stretch>
-            <a:fillRect/>
-          </a:stretch>
-        </p:blipFill>
-        <p:spPr bwMode="auto">
-          <a:xfrm>
-            <a:off x="3997526" y="2486395"/>
-            <a:ext cx="2176272" cy="1588678"/>
-          </a:xfrm>
-          <a:prstGeom prst="rect">
-            <a:avLst/>
-          </a:prstGeom>
-          <a:noFill/>
-          <a:effectLst>
-            <a:outerShdw blurRad="50800" dist="38100" dir="5400000" algn="t" rotWithShape="0">
-              <a:prstClr val="black">
-                <a:alpha val="43000"/>
-              </a:prstClr>
-            </a:outerShdw>
-          </a:effectLst>
-          <a:extLst>
-            <a:ext uri="{909E8E84-426E-40DD-AFC4-6F175D3DCCD1}">
-              <a14:hiddenFill xmlns:a14="http://schemas.microsoft.com/office/drawing/2010/main">
-                <a:solidFill>
-                  <a:srgbClr val="FFFFFF"/>
-                </a:solidFill>
-              </a14:hiddenFill>
-            </a:ext>
-          </a:extLst>
-        </p:spPr>
-      </p:pic>
-      <p:pic>
-        <p:nvPicPr>
-          <p:cNvPr id="2058" name="Picture 10" descr="10 Callback Phishing Examples Every ...">
-            <a:extLst>
-              <a:ext uri="{FF2B5EF4-FFF2-40B4-BE49-F238E27FC236}">
-                <a16:creationId xmlns:a16="http://schemas.microsoft.com/office/drawing/2014/main" id="{BF58511B-083F-36AD-96D6-D143DE8F1BB4}"/>
-              </a:ext>
-            </a:extLst>
-          </p:cNvPr>
-          <p:cNvPicPr>
-            <a:picLocks noChangeAspect="1" noChangeArrowheads="1"/>
-          </p:cNvPicPr>
-          <p:nvPr/>
-        </p:nvPicPr>
-        <p:blipFill>
-          <a:blip r:embed="rId9">
-            <a:extLst>
-              <a:ext uri="{28A0092B-C50C-407E-A947-70E740481C1C}">
-                <a14:useLocalDpi xmlns:a14="http://schemas.microsoft.com/office/drawing/2010/main" val="0"/>
-              </a:ext>
-            </a:extLst>
-          </a:blip>
-          <a:stretch>
-            <a:fillRect/>
-          </a:stretch>
-        </p:blipFill>
-        <p:spPr bwMode="auto">
-          <a:xfrm>
-            <a:off x="5791676" y="436569"/>
-            <a:ext cx="2176272" cy="1474763"/>
-          </a:xfrm>
-          <a:prstGeom prst="rect">
-            <a:avLst/>
-          </a:prstGeom>
-          <a:noFill/>
-          <a:effectLst>
-            <a:outerShdw blurRad="50800" dist="38100" dir="5400000" algn="t" rotWithShape="0">
-              <a:prstClr val="black">
-                <a:alpha val="43000"/>
-              </a:prstClr>
-            </a:outerShdw>
-          </a:effectLst>
-          <a:extLst>
-            <a:ext uri="{909E8E84-426E-40DD-AFC4-6F175D3DCCD1}">
-              <a14:hiddenFill xmlns:a14="http://schemas.microsoft.com/office/drawing/2010/main">
-                <a:solidFill>
-                  <a:srgbClr val="FFFFFF"/>
-                </a:solidFill>
-              </a14:hiddenFill>
-            </a:ext>
-          </a:extLst>
-        </p:spPr>
-      </p:pic>
-      <p:pic>
-        <p:nvPicPr>
-          <p:cNvPr id="2056" name="Picture 8" descr="Annotated phishing examples | Secure UD ...">
-            <a:extLst>
-              <a:ext uri="{FF2B5EF4-FFF2-40B4-BE49-F238E27FC236}">
-                <a16:creationId xmlns:a16="http://schemas.microsoft.com/office/drawing/2014/main" id="{CC2A6479-5CE1-DAE1-21FB-A813308A6DF0}"/>
-              </a:ext>
-            </a:extLst>
-          </p:cNvPr>
-          <p:cNvPicPr>
-            <a:picLocks noChangeAspect="1" noChangeArrowheads="1"/>
-          </p:cNvPicPr>
-          <p:nvPr/>
-        </p:nvPicPr>
-        <p:blipFill>
-          <a:blip r:embed="rId10">
-            <a:extLst>
-              <a:ext uri="{28A0092B-C50C-407E-A947-70E740481C1C}">
-                <a14:useLocalDpi xmlns:a14="http://schemas.microsoft.com/office/drawing/2010/main" val="0"/>
-              </a:ext>
-            </a:extLst>
-          </a:blip>
-          <a:stretch>
-            <a:fillRect/>
-          </a:stretch>
-        </p:blipFill>
-        <p:spPr bwMode="auto">
-          <a:xfrm>
-            <a:off x="7712969" y="3232739"/>
-            <a:ext cx="2176272" cy="656082"/>
-          </a:xfrm>
-          <a:prstGeom prst="rect">
-            <a:avLst/>
-          </a:prstGeom>
-          <a:noFill/>
-          <a:effectLst>
-            <a:outerShdw blurRad="50800" dist="38100" dir="5400000" algn="t" rotWithShape="0">
-              <a:prstClr val="black">
-                <a:alpha val="43000"/>
-              </a:prstClr>
-            </a:outerShdw>
-          </a:effectLst>
-          <a:extLst>
-            <a:ext uri="{909E8E84-426E-40DD-AFC4-6F175D3DCCD1}">
-              <a14:hiddenFill xmlns:a14="http://schemas.microsoft.com/office/drawing/2010/main">
-                <a:solidFill>
-                  <a:srgbClr val="FFFFFF"/>
-                </a:solidFill>
-              </a14:hiddenFill>
-            </a:ext>
-          </a:extLst>
-        </p:spPr>
-      </p:pic>
-    </p:spTree>
-    <p:extLst>
-      <p:ext uri="{BB962C8B-B14F-4D97-AF65-F5344CB8AC3E}">
-        <p14:creationId xmlns:p14="http://schemas.microsoft.com/office/powerpoint/2010/main" val="1875061513"/>
-      </p:ext>
-    </p:extLst>
-  </p:cSld>
-  <p:clrMapOvr>
-    <a:masterClrMapping/>
-  </p:clrMapOvr>
-</p:sld>
-</file>
-
-<file path=ppt/slides/slide4.xml><?xml version="1.0" encoding="utf-8"?>
 <p:sld xmlns:a="http://schemas.openxmlformats.org/drawingml/2006/main" xmlns:r="http://schemas.openxmlformats.org/officeDocument/2006/relationships" xmlns:p="http://schemas.openxmlformats.org/presentationml/2006/main">
   <p:cSld>
     <p:bg>
@@ -16734,7 +16100,7 @@
 </p:sld>
 </file>
 
-<file path=ppt/slides/slide5.xml><?xml version="1.0" encoding="utf-8"?>
+<file path=ppt/slides/slide4.xml><?xml version="1.0" encoding="utf-8"?>
 <p:sld xmlns:a="http://schemas.openxmlformats.org/drawingml/2006/main" xmlns:r="http://schemas.openxmlformats.org/officeDocument/2006/relationships" xmlns:p="http://schemas.openxmlformats.org/presentationml/2006/main">
   <p:cSld>
     <p:bg>
@@ -17281,7 +16647,7 @@
 </p:sld>
 </file>
 
-<file path=ppt/slides/slide6.xml><?xml version="1.0" encoding="utf-8"?>
+<file path=ppt/slides/slide5.xml><?xml version="1.0" encoding="utf-8"?>
 <p:sld xmlns:a="http://schemas.openxmlformats.org/drawingml/2006/main" xmlns:r="http://schemas.openxmlformats.org/officeDocument/2006/relationships" xmlns:p="http://schemas.openxmlformats.org/presentationml/2006/main">
   <p:cSld>
     <p:bg>
@@ -18059,6 +17425,224 @@
   </p:cSld>
   <p:clrMapOvr>
     <a:overrideClrMapping bg1="lt1" tx1="dk1" bg2="lt2" tx2="dk2" accent1="accent1" accent2="accent2" accent3="accent3" accent4="accent4" accent5="accent5" accent6="accent6" hlink="hlink" folHlink="folHlink"/>
+  </p:clrMapOvr>
+</p:sld>
+</file>
+
+<file path=ppt/slides/slide6.xml><?xml version="1.0" encoding="utf-8"?>
+<p:sld xmlns:a="http://schemas.openxmlformats.org/drawingml/2006/main" xmlns:r="http://schemas.openxmlformats.org/officeDocument/2006/relationships" xmlns:p="http://schemas.openxmlformats.org/presentationml/2006/main">
+  <p:cSld>
+    <p:spTree>
+      <p:nvGrpSpPr>
+        <p:cNvPr id="1" name=""/>
+        <p:cNvGrpSpPr/>
+        <p:nvPr/>
+      </p:nvGrpSpPr>
+      <p:grpSpPr>
+        <a:xfrm>
+          <a:off x="0" y="0"/>
+          <a:ext cx="0" cy="0"/>
+          <a:chOff x="0" y="0"/>
+          <a:chExt cx="0" cy="0"/>
+        </a:xfrm>
+      </p:grpSpPr>
+      <p:sp>
+        <p:nvSpPr>
+          <p:cNvPr id="2" name="Title 1"/>
+          <p:cNvSpPr>
+            <a:spLocks noGrp="1"/>
+          </p:cNvSpPr>
+          <p:nvPr>
+            <p:ph type="title"/>
+          </p:nvPr>
+        </p:nvSpPr>
+        <p:spPr/>
+        <p:txBody>
+          <a:bodyPr/>
+          <a:lstStyle/>
+          <a:p>
+            <a:r>
+              <a:t>AI-Driven Phishing Attacks</a:t>
+            </a:r>
+          </a:p>
+        </p:txBody>
+      </p:sp>
+      <p:sp>
+        <p:nvSpPr>
+          <p:cNvPr id="3" name="Content Placeholder 2"/>
+          <p:cNvSpPr>
+            <a:spLocks noGrp="1"/>
+          </p:cNvSpPr>
+          <p:nvPr>
+            <p:ph idx="1"/>
+          </p:nvPr>
+        </p:nvSpPr>
+        <p:spPr>
+          <a:xfrm>
+            <a:off x="645132" y="1710814"/>
+            <a:ext cx="9404722" cy="4537586"/>
+          </a:xfrm>
+        </p:spPr>
+        <p:txBody>
+          <a:bodyPr>
+            <a:normAutofit fontScale="70000" lnSpcReduction="20000"/>
+          </a:bodyPr>
+          <a:lstStyle/>
+          <a:p>
+            <a:pPr marL="0" indent="0">
+              <a:buNone/>
+            </a:pPr>
+            <a:r>
+              <a:rPr sz="2300" b="1" dirty="0">
+                <a:latin typeface="Calibri" panose="020F0502020204030204" pitchFamily="34" charset="0"/>
+                <a:ea typeface="Calibri" panose="020F0502020204030204" pitchFamily="34" charset="0"/>
+                <a:cs typeface="Calibri" panose="020F0502020204030204" pitchFamily="34" charset="0"/>
+              </a:rPr>
+              <a:t>What is AI Phishing?</a:t>
+            </a:r>
+          </a:p>
+          <a:p>
+            <a:r>
+              <a:rPr dirty="0"/>
+              <a:t>Cybercriminals now use Artificial Intelligence (AI) to create more convincing phishing attacks.</a:t>
+            </a:r>
+          </a:p>
+          <a:p>
+            <a:r>
+              <a:rPr dirty="0"/>
+              <a:t>AI-powered attacks appear more personalized and harder to detect.</a:t>
+            </a:r>
+          </a:p>
+          <a:p>
+            <a:endParaRPr dirty="0"/>
+          </a:p>
+          <a:p>
+            <a:pPr marL="0" indent="0">
+              <a:buNone/>
+            </a:pPr>
+            <a:r>
+              <a:rPr sz="2300" b="1" dirty="0">
+                <a:latin typeface="Calibri" panose="020F0502020204030204" pitchFamily="34" charset="0"/>
+                <a:ea typeface="Calibri" panose="020F0502020204030204" pitchFamily="34" charset="0"/>
+                <a:cs typeface="Calibri" panose="020F0502020204030204" pitchFamily="34" charset="0"/>
+              </a:rPr>
+              <a:t>Examples of AI Phishing:</a:t>
+            </a:r>
+          </a:p>
+          <a:p>
+            <a:pPr marL="0" indent="0">
+              <a:buNone/>
+            </a:pPr>
+            <a:r>
+              <a:rPr dirty="0"/>
+              <a:t>1.</a:t>
+            </a:r>
+            <a:r>
+              <a:rPr lang="en-ZA" dirty="0"/>
+              <a:t> </a:t>
+            </a:r>
+            <a:r>
+              <a:rPr dirty="0"/>
+              <a:t> AI-Generated Emails – flawless grammar, realistic tone, and personalization.</a:t>
+            </a:r>
+          </a:p>
+          <a:p>
+            <a:pPr marL="0" indent="0">
+              <a:buNone/>
+            </a:pPr>
+            <a:r>
+              <a:rPr dirty="0"/>
+              <a:t>2.</a:t>
+            </a:r>
+            <a:r>
+              <a:rPr lang="en-ZA" dirty="0"/>
+              <a:t> </a:t>
+            </a:r>
+            <a:r>
+              <a:rPr dirty="0"/>
+              <a:t> Deepfake Voice Phishing – AI mimics a manager’s or colleague’s voice.</a:t>
+            </a:r>
+          </a:p>
+          <a:p>
+            <a:pPr marL="0" indent="0">
+              <a:buNone/>
+            </a:pPr>
+            <a:r>
+              <a:rPr dirty="0"/>
+              <a:t>3.</a:t>
+            </a:r>
+            <a:r>
+              <a:rPr lang="en-ZA" dirty="0"/>
+              <a:t> </a:t>
+            </a:r>
+            <a:r>
+              <a:rPr dirty="0"/>
+              <a:t> Chatbot Phishing – malicious bots posing as customer support agents.</a:t>
+            </a:r>
+          </a:p>
+          <a:p>
+            <a:pPr marL="0" indent="0">
+              <a:buNone/>
+            </a:pPr>
+            <a:r>
+              <a:rPr dirty="0"/>
+              <a:t>4. </a:t>
+            </a:r>
+            <a:r>
+              <a:rPr lang="en-ZA" dirty="0"/>
+              <a:t> </a:t>
+            </a:r>
+            <a:r>
+              <a:rPr dirty="0"/>
+              <a:t>AI-Enhanced SMS Phishing – smarter, context-aware text messages.</a:t>
+            </a:r>
+          </a:p>
+          <a:p>
+            <a:endParaRPr dirty="0"/>
+          </a:p>
+          <a:p>
+            <a:pPr marL="0" indent="0">
+              <a:buNone/>
+            </a:pPr>
+            <a:r>
+              <a:rPr sz="2300" b="1" dirty="0">
+                <a:latin typeface="Calibri" panose="020F0502020204030204" pitchFamily="34" charset="0"/>
+                <a:ea typeface="Calibri" panose="020F0502020204030204" pitchFamily="34" charset="0"/>
+                <a:cs typeface="Calibri" panose="020F0502020204030204" pitchFamily="34" charset="0"/>
+              </a:rPr>
+              <a:t>How to Defend Against AI Phishing:</a:t>
+            </a:r>
+          </a:p>
+          <a:p>
+            <a:r>
+              <a:rPr dirty="0"/>
+              <a:t> Verify requests (Zero Trust principle).</a:t>
+            </a:r>
+          </a:p>
+          <a:p>
+            <a:r>
+              <a:rPr dirty="0"/>
+              <a:t>Stay updated through awareness and training.</a:t>
+            </a:r>
+          </a:p>
+          <a:p>
+            <a:r>
+              <a:rPr dirty="0"/>
+              <a:t> Use Multi-Factor Authentication (MFA).</a:t>
+            </a:r>
+          </a:p>
+          <a:p>
+            <a:r>
+              <a:rPr dirty="0"/>
+              <a:t>Employ AI-driven detection tools.</a:t>
+            </a:r>
+          </a:p>
+        </p:txBody>
+      </p:sp>
+    </p:spTree>
+  </p:cSld>
+  <p:clrMapOvr>
+    <a:masterClrMapping/>
   </p:clrMapOvr>
 </p:sld>
 </file>
